--- a/三下/R語言與資料分析/期末報告/分析家族健康資料.pptx
+++ b/三下/R語言與資料分析/期末報告/分析家族健康資料.pptx
@@ -2189,7 +2189,7 @@
     <a:masterClrMapping/>
   </p:clrMapOvr>
   <mc:AlternateContent xmlns:mc="http://schemas.openxmlformats.org/markup-compatibility/2006">
-    <mc:Choice xmlns:p159="http://schemas.microsoft.com/office/powerpoint/2015/09/main" xmlns="" Requires="p159">
+    <mc:Choice xmlns="" xmlns:p159="http://schemas.microsoft.com/office/powerpoint/2015/09/main" Requires="p159">
       <p:transition xmlns:p14="http://schemas.microsoft.com/office/powerpoint/2010/main" spd="slow" p14:dur="2000" advClick="0" advTm="0">
         <p159:morph option="byObject"/>
       </p:transition>
@@ -2303,7 +2303,7 @@
     <p:sldLayoutId id="2147483649" r:id="rId1"/>
   </p:sldLayoutIdLst>
   <mc:AlternateContent xmlns:mc="http://schemas.openxmlformats.org/markup-compatibility/2006">
-    <mc:Choice xmlns:p159="http://schemas.microsoft.com/office/powerpoint/2015/09/main" xmlns="" Requires="p159">
+    <mc:Choice xmlns="" xmlns:p159="http://schemas.microsoft.com/office/powerpoint/2015/09/main" Requires="p159">
       <p:transition xmlns:p14="http://schemas.microsoft.com/office/powerpoint/2010/main" spd="slow" p14:dur="2000" advClick="0" advTm="0">
         <p159:morph option="byObject"/>
       </p:transition>
@@ -13609,11 +13609,7 @@
             </a:r>
             <a:r>
               <a:rPr lang="zh-TW" altLang="en-US" sz="2800" dirty="0" smtClean="0"/>
-              <a:t>                     </a:t>
-            </a:r>
-            <a:r>
-              <a:rPr lang="zh-TW" altLang="en-US" sz="2800" dirty="0" smtClean="0"/>
-              <a:t>血壓、心跳</a:t>
+              <a:t>                     血壓、心跳</a:t>
             </a:r>
             <a:endParaRPr lang="en-US" altLang="zh-TW" dirty="0"/>
           </a:p>
@@ -14756,14 +14752,14 @@
       </p:sp>
       <p:sp>
         <p:nvSpPr>
-          <p:cNvPr id="8" name="圓角矩形 7"/>
+          <p:cNvPr id="18" name="圓角矩形 17"/>
           <p:cNvSpPr/>
           <p:nvPr/>
         </p:nvSpPr>
         <p:spPr>
           <a:xfrm>
             <a:off x="7258639" y="3469064"/>
-            <a:ext cx="528225" cy="273377"/>
+            <a:ext cx="1196973" cy="273377"/>
           </a:xfrm>
           <a:prstGeom prst="roundRect">
             <a:avLst/>
@@ -14802,14 +14798,14 @@
       </p:sp>
       <p:cxnSp>
         <p:nvCxnSpPr>
-          <p:cNvPr id="15" name="直線接點 14"/>
+          <p:cNvPr id="19" name="直線接點 18"/>
           <p:cNvCxnSpPr/>
           <p:nvPr/>
         </p:nvCxnSpPr>
         <p:spPr>
           <a:xfrm flipH="1">
-            <a:off x="5957740" y="3695306"/>
-            <a:ext cx="1300899" cy="1546201"/>
+            <a:off x="6688284" y="3742441"/>
+            <a:ext cx="1165442" cy="1533378"/>
           </a:xfrm>
           <a:prstGeom prst="line">
             <a:avLst/>
@@ -14818,87 +14814,8 @@
             <a:solidFill>
               <a:srgbClr val="FF0000"/>
             </a:solidFill>
-          </a:ln>
-        </p:spPr>
-        <p:style>
-          <a:lnRef idx="1">
-            <a:schemeClr val="accent1"/>
-          </a:lnRef>
-          <a:fillRef idx="0">
-            <a:schemeClr val="accent1"/>
-          </a:fillRef>
-          <a:effectRef idx="0">
-            <a:schemeClr val="accent1"/>
-          </a:effectRef>
-          <a:fontRef idx="minor">
-            <a:schemeClr val="tx1"/>
-          </a:fontRef>
-        </p:style>
-      </p:cxnSp>
-      <p:sp>
-        <p:nvSpPr>
-          <p:cNvPr id="18" name="圓角矩形 17"/>
-          <p:cNvSpPr/>
-          <p:nvPr/>
-        </p:nvSpPr>
-        <p:spPr>
-          <a:xfrm>
-            <a:off x="7927387" y="3469064"/>
-            <a:ext cx="528225" cy="273377"/>
-          </a:xfrm>
-          <a:prstGeom prst="roundRect">
-            <a:avLst/>
-          </a:prstGeom>
-          <a:noFill/>
-          <a:ln w="38100">
-            <a:solidFill>
-              <a:srgbClr val="FF0000"/>
-            </a:solidFill>
-          </a:ln>
-        </p:spPr>
-        <p:style>
-          <a:lnRef idx="2">
-            <a:schemeClr val="accent1">
-              <a:shade val="50000"/>
-            </a:schemeClr>
-          </a:lnRef>
-          <a:fillRef idx="1">
-            <a:schemeClr val="accent1"/>
-          </a:fillRef>
-          <a:effectRef idx="0">
-            <a:schemeClr val="accent1"/>
-          </a:effectRef>
-          <a:fontRef idx="minor">
-            <a:schemeClr val="lt1"/>
-          </a:fontRef>
-        </p:style>
-        <p:txBody>
-          <a:bodyPr rtlCol="0" anchor="ctr"/>
-          <a:lstStyle/>
-          <a:p>
-            <a:pPr algn="ctr"/>
-            <a:endParaRPr lang="zh-TW" altLang="en-US"/>
-          </a:p>
-        </p:txBody>
-      </p:sp>
-      <p:cxnSp>
-        <p:nvCxnSpPr>
-          <p:cNvPr id="19" name="直線接點 18"/>
-          <p:cNvCxnSpPr/>
-          <p:nvPr/>
-        </p:nvCxnSpPr>
-        <p:spPr>
-          <a:xfrm flipH="1">
-            <a:off x="6688283" y="3729618"/>
-            <a:ext cx="1300899" cy="1546201"/>
-          </a:xfrm>
-          <a:prstGeom prst="line">
-            <a:avLst/>
-          </a:prstGeom>
-          <a:ln w="38100">
-            <a:solidFill>
-              <a:srgbClr val="FF0000"/>
-            </a:solidFill>
+            <a:headEnd type="none" w="med" len="med"/>
+            <a:tailEnd type="triangle" w="med" len="med"/>
           </a:ln>
         </p:spPr>
         <p:style>
@@ -14924,7 +14841,7 @@
         </p:nvGrpSpPr>
         <p:grpSpPr>
           <a:xfrm>
-            <a:off x="4531739" y="114346"/>
+            <a:off x="3817373" y="109642"/>
             <a:ext cx="4152900" cy="1015663"/>
             <a:chOff x="4038600" y="231498"/>
             <a:chExt cx="4152900" cy="1015663"/>
